--- a/Beadandó SK (1).pptx
+++ b/Beadandó SK (1).pptx
@@ -317,7 +317,7 @@
           <a:p>
             <a:fld id="{BD5193CC-C62B-423D-A098-867CDE0A1E84}" type="datetimeFigureOut">
               <a:rPr lang="hu-HU" smtClean="0"/>
-              <a:t>2022. 09. 19.</a:t>
+              <a:t>2022. 09. 21.</a:t>
             </a:fld>
             <a:endParaRPr lang="hu-HU"/>
           </a:p>
@@ -592,7 +592,7 @@
           <a:p>
             <a:fld id="{BD5193CC-C62B-423D-A098-867CDE0A1E84}" type="datetimeFigureOut">
               <a:rPr lang="hu-HU" smtClean="0"/>
-              <a:t>2022. 09. 19.</a:t>
+              <a:t>2022. 09. 21.</a:t>
             </a:fld>
             <a:endParaRPr lang="hu-HU"/>
           </a:p>
@@ -786,7 +786,7 @@
           <a:p>
             <a:fld id="{BD5193CC-C62B-423D-A098-867CDE0A1E84}" type="datetimeFigureOut">
               <a:rPr lang="hu-HU" smtClean="0"/>
-              <a:t>2022. 09. 19.</a:t>
+              <a:t>2022. 09. 21.</a:t>
             </a:fld>
             <a:endParaRPr lang="hu-HU"/>
           </a:p>
@@ -1059,7 +1059,7 @@
           <a:p>
             <a:fld id="{BD5193CC-C62B-423D-A098-867CDE0A1E84}" type="datetimeFigureOut">
               <a:rPr lang="hu-HU" smtClean="0"/>
-              <a:t>2022. 09. 19.</a:t>
+              <a:t>2022. 09. 21.</a:t>
             </a:fld>
             <a:endParaRPr lang="hu-HU"/>
           </a:p>
@@ -1400,7 +1400,7 @@
           <a:p>
             <a:fld id="{BD5193CC-C62B-423D-A098-867CDE0A1E84}" type="datetimeFigureOut">
               <a:rPr lang="hu-HU" smtClean="0"/>
-              <a:t>2022. 09. 19.</a:t>
+              <a:t>2022. 09. 21.</a:t>
             </a:fld>
             <a:endParaRPr lang="hu-HU"/>
           </a:p>
@@ -2023,7 +2023,7 @@
           <a:p>
             <a:fld id="{BD5193CC-C62B-423D-A098-867CDE0A1E84}" type="datetimeFigureOut">
               <a:rPr lang="hu-HU" smtClean="0"/>
-              <a:t>2022. 09. 19.</a:t>
+              <a:t>2022. 09. 21.</a:t>
             </a:fld>
             <a:endParaRPr lang="hu-HU"/>
           </a:p>
@@ -2883,7 +2883,7 @@
           <a:p>
             <a:fld id="{BD5193CC-C62B-423D-A098-867CDE0A1E84}" type="datetimeFigureOut">
               <a:rPr lang="hu-HU" smtClean="0"/>
-              <a:t>2022. 09. 19.</a:t>
+              <a:t>2022. 09. 21.</a:t>
             </a:fld>
             <a:endParaRPr lang="hu-HU"/>
           </a:p>
@@ -3053,7 +3053,7 @@
           <a:p>
             <a:fld id="{BD5193CC-C62B-423D-A098-867CDE0A1E84}" type="datetimeFigureOut">
               <a:rPr lang="hu-HU" smtClean="0"/>
-              <a:t>2022. 09. 19.</a:t>
+              <a:t>2022. 09. 21.</a:t>
             </a:fld>
             <a:endParaRPr lang="hu-HU"/>
           </a:p>
@@ -3233,7 +3233,7 @@
           <a:p>
             <a:fld id="{BD5193CC-C62B-423D-A098-867CDE0A1E84}" type="datetimeFigureOut">
               <a:rPr lang="hu-HU" smtClean="0"/>
-              <a:t>2022. 09. 19.</a:t>
+              <a:t>2022. 09. 21.</a:t>
             </a:fld>
             <a:endParaRPr lang="hu-HU"/>
           </a:p>
@@ -3403,7 +3403,7 @@
           <a:p>
             <a:fld id="{BD5193CC-C62B-423D-A098-867CDE0A1E84}" type="datetimeFigureOut">
               <a:rPr lang="hu-HU" smtClean="0"/>
-              <a:t>2022. 09. 19.</a:t>
+              <a:t>2022. 09. 21.</a:t>
             </a:fld>
             <a:endParaRPr lang="hu-HU"/>
           </a:p>
@@ -3650,7 +3650,7 @@
           <a:p>
             <a:fld id="{BD5193CC-C62B-423D-A098-867CDE0A1E84}" type="datetimeFigureOut">
               <a:rPr lang="hu-HU" smtClean="0"/>
-              <a:t>2022. 09. 19.</a:t>
+              <a:t>2022. 09. 21.</a:t>
             </a:fld>
             <a:endParaRPr lang="hu-HU"/>
           </a:p>
@@ -3942,7 +3942,7 @@
           <a:p>
             <a:fld id="{BD5193CC-C62B-423D-A098-867CDE0A1E84}" type="datetimeFigureOut">
               <a:rPr lang="hu-HU" smtClean="0"/>
-              <a:t>2022. 09. 19.</a:t>
+              <a:t>2022. 09. 21.</a:t>
             </a:fld>
             <a:endParaRPr lang="hu-HU"/>
           </a:p>
@@ -4386,7 +4386,7 @@
           <a:p>
             <a:fld id="{BD5193CC-C62B-423D-A098-867CDE0A1E84}" type="datetimeFigureOut">
               <a:rPr lang="hu-HU" smtClean="0"/>
-              <a:t>2022. 09. 19.</a:t>
+              <a:t>2022. 09. 21.</a:t>
             </a:fld>
             <a:endParaRPr lang="hu-HU"/>
           </a:p>
@@ -4504,7 +4504,7 @@
           <a:p>
             <a:fld id="{BD5193CC-C62B-423D-A098-867CDE0A1E84}" type="datetimeFigureOut">
               <a:rPr lang="hu-HU" smtClean="0"/>
-              <a:t>2022. 09. 19.</a:t>
+              <a:t>2022. 09. 21.</a:t>
             </a:fld>
             <a:endParaRPr lang="hu-HU"/>
           </a:p>
@@ -4599,7 +4599,7 @@
           <a:p>
             <a:fld id="{BD5193CC-C62B-423D-A098-867CDE0A1E84}" type="datetimeFigureOut">
               <a:rPr lang="hu-HU" smtClean="0"/>
-              <a:t>2022. 09. 19.</a:t>
+              <a:t>2022. 09. 21.</a:t>
             </a:fld>
             <a:endParaRPr lang="hu-HU"/>
           </a:p>
@@ -4878,7 +4878,7 @@
           <a:p>
             <a:fld id="{BD5193CC-C62B-423D-A098-867CDE0A1E84}" type="datetimeFigureOut">
               <a:rPr lang="hu-HU" smtClean="0"/>
-              <a:t>2022. 09. 19.</a:t>
+              <a:t>2022. 09. 21.</a:t>
             </a:fld>
             <a:endParaRPr lang="hu-HU"/>
           </a:p>
@@ -5153,7 +5153,7 @@
           <a:p>
             <a:fld id="{BD5193CC-C62B-423D-A098-867CDE0A1E84}" type="datetimeFigureOut">
               <a:rPr lang="hu-HU" smtClean="0"/>
-              <a:t>2022. 09. 19.</a:t>
+              <a:t>2022. 09. 21.</a:t>
             </a:fld>
             <a:endParaRPr lang="hu-HU"/>
           </a:p>
@@ -5582,7 +5582,7 @@
           <a:p>
             <a:fld id="{BD5193CC-C62B-423D-A098-867CDE0A1E84}" type="datetimeFigureOut">
               <a:rPr lang="hu-HU" smtClean="0"/>
-              <a:t>2022. 09. 19.</a:t>
+              <a:t>2022. 09. 21.</a:t>
             </a:fld>
             <a:endParaRPr lang="hu-HU"/>
           </a:p>
@@ -6772,7 +6772,7 @@
       </p:par>
     </p:tnLst>
     <p:bldLst>
-      <p:bldP spid="3" grpId="0" build="p"/>
+      <p:bldP spid="3" grpId="0" uiExpand="1" build="p"/>
     </p:bldLst>
   </p:timing>
 </p:sld>
@@ -7987,6 +7987,30 @@
               </a:rPr>
               <a:t>https://hu.wikipedia.org/wiki/Sz%C3%A1m%C3%ADt%C3%B3g%C3%A9pes_v%C3%ADrus</a:t>
             </a:r>
+            <a:endParaRPr lang="hu-HU" dirty="0"/>
+          </a:p>
+          <a:p>
+            <a:r>
+              <a:rPr lang="hu-HU" dirty="0">
+                <a:hlinkClick r:id="rId4"/>
+              </a:rPr>
+              <a:t>https://www.eset.com/hu/malware-tortenelem/</a:t>
+            </a:r>
+            <a:r>
+              <a:rPr lang="hu-HU" dirty="0"/>
+              <a:t> </a:t>
+            </a:r>
+          </a:p>
+          <a:p>
+            <a:r>
+              <a:rPr lang="hu-HU">
+                <a:hlinkClick r:id="rId5"/>
+              </a:rPr>
+              <a:t>https://www2.akg.hu/info/erettsegi/szobeli/13.html</a:t>
+            </a:r>
+            <a:endParaRPr lang="hu-HU"/>
+          </a:p>
+          <a:p>
             <a:endParaRPr lang="hu-HU" dirty="0"/>
           </a:p>
           <a:p>
